--- a/C#/개인프로젝트/GYM 다이어그램.pptx
+++ b/C#/개인프로젝트/GYM 다이어그램.pptx
@@ -155,10 +155,9 @@
           </a:lstStyle>
           <a:p>
             <a:r>
-              <a:rPr lang="ko-KR" altLang="en-US" smtClean="0"/>
+              <a:rPr lang="ko-KR" altLang="en-US"/>
               <a:t>마스터 제목 스타일 편집</a:t>
             </a:r>
-            <a:endParaRPr lang="ko-KR" altLang="en-US"/>
           </a:p>
         </p:txBody>
       </p:sp>
@@ -220,10 +219,9 @@
           </a:lstStyle>
           <a:p>
             <a:r>
-              <a:rPr lang="ko-KR" altLang="en-US" smtClean="0"/>
+              <a:rPr lang="ko-KR" altLang="en-US"/>
               <a:t>클릭하여 마스터 부제목 스타일 편집</a:t>
             </a:r>
-            <a:endParaRPr lang="ko-KR" altLang="en-US"/>
           </a:p>
         </p:txBody>
       </p:sp>
@@ -244,7 +242,7 @@
           <a:p>
             <a:fld id="{4A0917F6-6E80-4090-A73F-DA5E08C47F3A}" type="datetimeFigureOut">
               <a:rPr lang="ko-KR" altLang="en-US" smtClean="0"/>
-              <a:t>2021-07-01</a:t>
+              <a:t>2021-07-25</a:t>
             </a:fld>
             <a:endParaRPr lang="ko-KR" altLang="en-US"/>
           </a:p>
@@ -338,10 +336,9 @@
           <a:lstStyle/>
           <a:p>
             <a:r>
-              <a:rPr lang="ko-KR" altLang="en-US" smtClean="0"/>
+              <a:rPr lang="ko-KR" altLang="en-US"/>
               <a:t>마스터 제목 스타일 편집</a:t>
             </a:r>
-            <a:endParaRPr lang="ko-KR" altLang="en-US"/>
           </a:p>
         </p:txBody>
       </p:sp>
@@ -362,38 +359,37 @@
           <a:p>
             <a:pPr lvl="0"/>
             <a:r>
-              <a:rPr lang="ko-KR" altLang="en-US" smtClean="0"/>
+              <a:rPr lang="ko-KR" altLang="en-US"/>
               <a:t>마스터 텍스트 스타일 편집</a:t>
             </a:r>
           </a:p>
           <a:p>
             <a:pPr lvl="1"/>
             <a:r>
-              <a:rPr lang="ko-KR" altLang="en-US" smtClean="0"/>
+              <a:rPr lang="ko-KR" altLang="en-US"/>
               <a:t>둘째 수준</a:t>
             </a:r>
           </a:p>
           <a:p>
             <a:pPr lvl="2"/>
             <a:r>
-              <a:rPr lang="ko-KR" altLang="en-US" smtClean="0"/>
+              <a:rPr lang="ko-KR" altLang="en-US"/>
               <a:t>셋째 수준</a:t>
             </a:r>
           </a:p>
           <a:p>
             <a:pPr lvl="3"/>
             <a:r>
-              <a:rPr lang="ko-KR" altLang="en-US" smtClean="0"/>
+              <a:rPr lang="ko-KR" altLang="en-US"/>
               <a:t>넷째 수준</a:t>
             </a:r>
           </a:p>
           <a:p>
             <a:pPr lvl="4"/>
             <a:r>
-              <a:rPr lang="ko-KR" altLang="en-US" smtClean="0"/>
+              <a:rPr lang="ko-KR" altLang="en-US"/>
               <a:t>다섯째 수준</a:t>
             </a:r>
-            <a:endParaRPr lang="ko-KR" altLang="en-US"/>
           </a:p>
         </p:txBody>
       </p:sp>
@@ -414,7 +410,7 @@
           <a:p>
             <a:fld id="{4A0917F6-6E80-4090-A73F-DA5E08C47F3A}" type="datetimeFigureOut">
               <a:rPr lang="ko-KR" altLang="en-US" smtClean="0"/>
-              <a:t>2021-07-01</a:t>
+              <a:t>2021-07-25</a:t>
             </a:fld>
             <a:endParaRPr lang="ko-KR" altLang="en-US"/>
           </a:p>
@@ -513,10 +509,9 @@
           <a:lstStyle/>
           <a:p>
             <a:r>
-              <a:rPr lang="ko-KR" altLang="en-US" smtClean="0"/>
+              <a:rPr lang="ko-KR" altLang="en-US"/>
               <a:t>마스터 제목 스타일 편집</a:t>
             </a:r>
-            <a:endParaRPr lang="ko-KR" altLang="en-US"/>
           </a:p>
         </p:txBody>
       </p:sp>
@@ -542,38 +537,37 @@
           <a:p>
             <a:pPr lvl="0"/>
             <a:r>
-              <a:rPr lang="ko-KR" altLang="en-US" smtClean="0"/>
+              <a:rPr lang="ko-KR" altLang="en-US"/>
               <a:t>마스터 텍스트 스타일 편집</a:t>
             </a:r>
           </a:p>
           <a:p>
             <a:pPr lvl="1"/>
             <a:r>
-              <a:rPr lang="ko-KR" altLang="en-US" smtClean="0"/>
+              <a:rPr lang="ko-KR" altLang="en-US"/>
               <a:t>둘째 수준</a:t>
             </a:r>
           </a:p>
           <a:p>
             <a:pPr lvl="2"/>
             <a:r>
-              <a:rPr lang="ko-KR" altLang="en-US" smtClean="0"/>
+              <a:rPr lang="ko-KR" altLang="en-US"/>
               <a:t>셋째 수준</a:t>
             </a:r>
           </a:p>
           <a:p>
             <a:pPr lvl="3"/>
             <a:r>
-              <a:rPr lang="ko-KR" altLang="en-US" smtClean="0"/>
+              <a:rPr lang="ko-KR" altLang="en-US"/>
               <a:t>넷째 수준</a:t>
             </a:r>
           </a:p>
           <a:p>
             <a:pPr lvl="4"/>
             <a:r>
-              <a:rPr lang="ko-KR" altLang="en-US" smtClean="0"/>
+              <a:rPr lang="ko-KR" altLang="en-US"/>
               <a:t>다섯째 수준</a:t>
             </a:r>
-            <a:endParaRPr lang="ko-KR" altLang="en-US"/>
           </a:p>
         </p:txBody>
       </p:sp>
@@ -594,7 +588,7 @@
           <a:p>
             <a:fld id="{4A0917F6-6E80-4090-A73F-DA5E08C47F3A}" type="datetimeFigureOut">
               <a:rPr lang="ko-KR" altLang="en-US" smtClean="0"/>
-              <a:t>2021-07-01</a:t>
+              <a:t>2021-07-25</a:t>
             </a:fld>
             <a:endParaRPr lang="ko-KR" altLang="en-US"/>
           </a:p>
@@ -688,10 +682,9 @@
           <a:lstStyle/>
           <a:p>
             <a:r>
-              <a:rPr lang="ko-KR" altLang="en-US" smtClean="0"/>
+              <a:rPr lang="ko-KR" altLang="en-US"/>
               <a:t>마스터 제목 스타일 편집</a:t>
             </a:r>
-            <a:endParaRPr lang="ko-KR" altLang="en-US"/>
           </a:p>
         </p:txBody>
       </p:sp>
@@ -712,38 +705,37 @@
           <a:p>
             <a:pPr lvl="0"/>
             <a:r>
-              <a:rPr lang="ko-KR" altLang="en-US" smtClean="0"/>
+              <a:rPr lang="ko-KR" altLang="en-US"/>
               <a:t>마스터 텍스트 스타일 편집</a:t>
             </a:r>
           </a:p>
           <a:p>
             <a:pPr lvl="1"/>
             <a:r>
-              <a:rPr lang="ko-KR" altLang="en-US" smtClean="0"/>
+              <a:rPr lang="ko-KR" altLang="en-US"/>
               <a:t>둘째 수준</a:t>
             </a:r>
           </a:p>
           <a:p>
             <a:pPr lvl="2"/>
             <a:r>
-              <a:rPr lang="ko-KR" altLang="en-US" smtClean="0"/>
+              <a:rPr lang="ko-KR" altLang="en-US"/>
               <a:t>셋째 수준</a:t>
             </a:r>
           </a:p>
           <a:p>
             <a:pPr lvl="3"/>
             <a:r>
-              <a:rPr lang="ko-KR" altLang="en-US" smtClean="0"/>
+              <a:rPr lang="ko-KR" altLang="en-US"/>
               <a:t>넷째 수준</a:t>
             </a:r>
           </a:p>
           <a:p>
             <a:pPr lvl="4"/>
             <a:r>
-              <a:rPr lang="ko-KR" altLang="en-US" smtClean="0"/>
+              <a:rPr lang="ko-KR" altLang="en-US"/>
               <a:t>다섯째 수준</a:t>
             </a:r>
-            <a:endParaRPr lang="ko-KR" altLang="en-US"/>
           </a:p>
         </p:txBody>
       </p:sp>
@@ -764,7 +756,7 @@
           <a:p>
             <a:fld id="{4A0917F6-6E80-4090-A73F-DA5E08C47F3A}" type="datetimeFigureOut">
               <a:rPr lang="ko-KR" altLang="en-US" smtClean="0"/>
-              <a:t>2021-07-01</a:t>
+              <a:t>2021-07-25</a:t>
             </a:fld>
             <a:endParaRPr lang="ko-KR" altLang="en-US"/>
           </a:p>
@@ -867,10 +859,9 @@
           </a:lstStyle>
           <a:p>
             <a:r>
-              <a:rPr lang="ko-KR" altLang="en-US" smtClean="0"/>
+              <a:rPr lang="ko-KR" altLang="en-US"/>
               <a:t>마스터 제목 스타일 편집</a:t>
             </a:r>
-            <a:endParaRPr lang="ko-KR" altLang="en-US"/>
           </a:p>
         </p:txBody>
       </p:sp>
@@ -987,7 +978,7 @@
           <a:p>
             <a:pPr lvl="0"/>
             <a:r>
-              <a:rPr lang="ko-KR" altLang="en-US" smtClean="0"/>
+              <a:rPr lang="ko-KR" altLang="en-US"/>
               <a:t>마스터 텍스트 스타일 편집</a:t>
             </a:r>
           </a:p>
@@ -1010,7 +1001,7 @@
           <a:p>
             <a:fld id="{4A0917F6-6E80-4090-A73F-DA5E08C47F3A}" type="datetimeFigureOut">
               <a:rPr lang="ko-KR" altLang="en-US" smtClean="0"/>
-              <a:t>2021-07-01</a:t>
+              <a:t>2021-07-25</a:t>
             </a:fld>
             <a:endParaRPr lang="ko-KR" altLang="en-US"/>
           </a:p>
@@ -1104,10 +1095,9 @@
           <a:lstStyle/>
           <a:p>
             <a:r>
-              <a:rPr lang="ko-KR" altLang="en-US" smtClean="0"/>
+              <a:rPr lang="ko-KR" altLang="en-US"/>
               <a:t>마스터 제목 스타일 편집</a:t>
             </a:r>
-            <a:endParaRPr lang="ko-KR" altLang="en-US"/>
           </a:p>
         </p:txBody>
       </p:sp>
@@ -1133,38 +1123,37 @@
           <a:p>
             <a:pPr lvl="0"/>
             <a:r>
-              <a:rPr lang="ko-KR" altLang="en-US" smtClean="0"/>
+              <a:rPr lang="ko-KR" altLang="en-US"/>
               <a:t>마스터 텍스트 스타일 편집</a:t>
             </a:r>
           </a:p>
           <a:p>
             <a:pPr lvl="1"/>
             <a:r>
-              <a:rPr lang="ko-KR" altLang="en-US" smtClean="0"/>
+              <a:rPr lang="ko-KR" altLang="en-US"/>
               <a:t>둘째 수준</a:t>
             </a:r>
           </a:p>
           <a:p>
             <a:pPr lvl="2"/>
             <a:r>
-              <a:rPr lang="ko-KR" altLang="en-US" smtClean="0"/>
+              <a:rPr lang="ko-KR" altLang="en-US"/>
               <a:t>셋째 수준</a:t>
             </a:r>
           </a:p>
           <a:p>
             <a:pPr lvl="3"/>
             <a:r>
-              <a:rPr lang="ko-KR" altLang="en-US" smtClean="0"/>
+              <a:rPr lang="ko-KR" altLang="en-US"/>
               <a:t>넷째 수준</a:t>
             </a:r>
           </a:p>
           <a:p>
             <a:pPr lvl="4"/>
             <a:r>
-              <a:rPr lang="ko-KR" altLang="en-US" smtClean="0"/>
+              <a:rPr lang="ko-KR" altLang="en-US"/>
               <a:t>다섯째 수준</a:t>
             </a:r>
-            <a:endParaRPr lang="ko-KR" altLang="en-US"/>
           </a:p>
         </p:txBody>
       </p:sp>
@@ -1190,38 +1179,37 @@
           <a:p>
             <a:pPr lvl="0"/>
             <a:r>
-              <a:rPr lang="ko-KR" altLang="en-US" smtClean="0"/>
+              <a:rPr lang="ko-KR" altLang="en-US"/>
               <a:t>마스터 텍스트 스타일 편집</a:t>
             </a:r>
           </a:p>
           <a:p>
             <a:pPr lvl="1"/>
             <a:r>
-              <a:rPr lang="ko-KR" altLang="en-US" smtClean="0"/>
+              <a:rPr lang="ko-KR" altLang="en-US"/>
               <a:t>둘째 수준</a:t>
             </a:r>
           </a:p>
           <a:p>
             <a:pPr lvl="2"/>
             <a:r>
-              <a:rPr lang="ko-KR" altLang="en-US" smtClean="0"/>
+              <a:rPr lang="ko-KR" altLang="en-US"/>
               <a:t>셋째 수준</a:t>
             </a:r>
           </a:p>
           <a:p>
             <a:pPr lvl="3"/>
             <a:r>
-              <a:rPr lang="ko-KR" altLang="en-US" smtClean="0"/>
+              <a:rPr lang="ko-KR" altLang="en-US"/>
               <a:t>넷째 수준</a:t>
             </a:r>
           </a:p>
           <a:p>
             <a:pPr lvl="4"/>
             <a:r>
-              <a:rPr lang="ko-KR" altLang="en-US" smtClean="0"/>
+              <a:rPr lang="ko-KR" altLang="en-US"/>
               <a:t>다섯째 수준</a:t>
             </a:r>
-            <a:endParaRPr lang="ko-KR" altLang="en-US"/>
           </a:p>
         </p:txBody>
       </p:sp>
@@ -1242,7 +1230,7 @@
           <a:p>
             <a:fld id="{4A0917F6-6E80-4090-A73F-DA5E08C47F3A}" type="datetimeFigureOut">
               <a:rPr lang="ko-KR" altLang="en-US" smtClean="0"/>
-              <a:t>2021-07-01</a:t>
+              <a:t>2021-07-25</a:t>
             </a:fld>
             <a:endParaRPr lang="ko-KR" altLang="en-US"/>
           </a:p>
@@ -1341,10 +1329,9 @@
           <a:lstStyle/>
           <a:p>
             <a:r>
-              <a:rPr lang="ko-KR" altLang="en-US" smtClean="0"/>
+              <a:rPr lang="ko-KR" altLang="en-US"/>
               <a:t>마스터 제목 스타일 편집</a:t>
             </a:r>
-            <a:endParaRPr lang="ko-KR" altLang="en-US"/>
           </a:p>
         </p:txBody>
       </p:sp>
@@ -1407,7 +1394,7 @@
           <a:p>
             <a:pPr lvl="0"/>
             <a:r>
-              <a:rPr lang="ko-KR" altLang="en-US" smtClean="0"/>
+              <a:rPr lang="ko-KR" altLang="en-US"/>
               <a:t>마스터 텍스트 스타일 편집</a:t>
             </a:r>
           </a:p>
@@ -1435,38 +1422,37 @@
           <a:p>
             <a:pPr lvl="0"/>
             <a:r>
-              <a:rPr lang="ko-KR" altLang="en-US" smtClean="0"/>
+              <a:rPr lang="ko-KR" altLang="en-US"/>
               <a:t>마스터 텍스트 스타일 편집</a:t>
             </a:r>
           </a:p>
           <a:p>
             <a:pPr lvl="1"/>
             <a:r>
-              <a:rPr lang="ko-KR" altLang="en-US" smtClean="0"/>
+              <a:rPr lang="ko-KR" altLang="en-US"/>
               <a:t>둘째 수준</a:t>
             </a:r>
           </a:p>
           <a:p>
             <a:pPr lvl="2"/>
             <a:r>
-              <a:rPr lang="ko-KR" altLang="en-US" smtClean="0"/>
+              <a:rPr lang="ko-KR" altLang="en-US"/>
               <a:t>셋째 수준</a:t>
             </a:r>
           </a:p>
           <a:p>
             <a:pPr lvl="3"/>
             <a:r>
-              <a:rPr lang="ko-KR" altLang="en-US" smtClean="0"/>
+              <a:rPr lang="ko-KR" altLang="en-US"/>
               <a:t>넷째 수준</a:t>
             </a:r>
           </a:p>
           <a:p>
             <a:pPr lvl="4"/>
             <a:r>
-              <a:rPr lang="ko-KR" altLang="en-US" smtClean="0"/>
+              <a:rPr lang="ko-KR" altLang="en-US"/>
               <a:t>다섯째 수준</a:t>
             </a:r>
-            <a:endParaRPr lang="ko-KR" altLang="en-US"/>
           </a:p>
         </p:txBody>
       </p:sp>
@@ -1529,7 +1515,7 @@
           <a:p>
             <a:pPr lvl="0"/>
             <a:r>
-              <a:rPr lang="ko-KR" altLang="en-US" smtClean="0"/>
+              <a:rPr lang="ko-KR" altLang="en-US"/>
               <a:t>마스터 텍스트 스타일 편집</a:t>
             </a:r>
           </a:p>
@@ -1557,38 +1543,37 @@
           <a:p>
             <a:pPr lvl="0"/>
             <a:r>
-              <a:rPr lang="ko-KR" altLang="en-US" smtClean="0"/>
+              <a:rPr lang="ko-KR" altLang="en-US"/>
               <a:t>마스터 텍스트 스타일 편집</a:t>
             </a:r>
           </a:p>
           <a:p>
             <a:pPr lvl="1"/>
             <a:r>
-              <a:rPr lang="ko-KR" altLang="en-US" smtClean="0"/>
+              <a:rPr lang="ko-KR" altLang="en-US"/>
               <a:t>둘째 수준</a:t>
             </a:r>
           </a:p>
           <a:p>
             <a:pPr lvl="2"/>
             <a:r>
-              <a:rPr lang="ko-KR" altLang="en-US" smtClean="0"/>
+              <a:rPr lang="ko-KR" altLang="en-US"/>
               <a:t>셋째 수준</a:t>
             </a:r>
           </a:p>
           <a:p>
             <a:pPr lvl="3"/>
             <a:r>
-              <a:rPr lang="ko-KR" altLang="en-US" smtClean="0"/>
+              <a:rPr lang="ko-KR" altLang="en-US"/>
               <a:t>넷째 수준</a:t>
             </a:r>
           </a:p>
           <a:p>
             <a:pPr lvl="4"/>
             <a:r>
-              <a:rPr lang="ko-KR" altLang="en-US" smtClean="0"/>
+              <a:rPr lang="ko-KR" altLang="en-US"/>
               <a:t>다섯째 수준</a:t>
             </a:r>
-            <a:endParaRPr lang="ko-KR" altLang="en-US"/>
           </a:p>
         </p:txBody>
       </p:sp>
@@ -1609,7 +1594,7 @@
           <a:p>
             <a:fld id="{4A0917F6-6E80-4090-A73F-DA5E08C47F3A}" type="datetimeFigureOut">
               <a:rPr lang="ko-KR" altLang="en-US" smtClean="0"/>
-              <a:t>2021-07-01</a:t>
+              <a:t>2021-07-25</a:t>
             </a:fld>
             <a:endParaRPr lang="ko-KR" altLang="en-US"/>
           </a:p>
@@ -1703,10 +1688,9 @@
           <a:lstStyle/>
           <a:p>
             <a:r>
-              <a:rPr lang="ko-KR" altLang="en-US" smtClean="0"/>
+              <a:rPr lang="ko-KR" altLang="en-US"/>
               <a:t>마스터 제목 스타일 편집</a:t>
             </a:r>
-            <a:endParaRPr lang="ko-KR" altLang="en-US"/>
           </a:p>
         </p:txBody>
       </p:sp>
@@ -1727,7 +1711,7 @@
           <a:p>
             <a:fld id="{4A0917F6-6E80-4090-A73F-DA5E08C47F3A}" type="datetimeFigureOut">
               <a:rPr lang="ko-KR" altLang="en-US" smtClean="0"/>
-              <a:t>2021-07-01</a:t>
+              <a:t>2021-07-25</a:t>
             </a:fld>
             <a:endParaRPr lang="ko-KR" altLang="en-US"/>
           </a:p>
@@ -1822,7 +1806,7 @@
           <a:p>
             <a:fld id="{4A0917F6-6E80-4090-A73F-DA5E08C47F3A}" type="datetimeFigureOut">
               <a:rPr lang="ko-KR" altLang="en-US" smtClean="0"/>
-              <a:t>2021-07-01</a:t>
+              <a:t>2021-07-25</a:t>
             </a:fld>
             <a:endParaRPr lang="ko-KR" altLang="en-US"/>
           </a:p>
@@ -1925,10 +1909,9 @@
           </a:lstStyle>
           <a:p>
             <a:r>
-              <a:rPr lang="ko-KR" altLang="en-US" smtClean="0"/>
+              <a:rPr lang="ko-KR" altLang="en-US"/>
               <a:t>마스터 제목 스타일 편집</a:t>
             </a:r>
-            <a:endParaRPr lang="ko-KR" altLang="en-US"/>
           </a:p>
         </p:txBody>
       </p:sp>
@@ -1982,38 +1965,37 @@
           <a:p>
             <a:pPr lvl="0"/>
             <a:r>
-              <a:rPr lang="ko-KR" altLang="en-US" smtClean="0"/>
+              <a:rPr lang="ko-KR" altLang="en-US"/>
               <a:t>마스터 텍스트 스타일 편집</a:t>
             </a:r>
           </a:p>
           <a:p>
             <a:pPr lvl="1"/>
             <a:r>
-              <a:rPr lang="ko-KR" altLang="en-US" smtClean="0"/>
+              <a:rPr lang="ko-KR" altLang="en-US"/>
               <a:t>둘째 수준</a:t>
             </a:r>
           </a:p>
           <a:p>
             <a:pPr lvl="2"/>
             <a:r>
-              <a:rPr lang="ko-KR" altLang="en-US" smtClean="0"/>
+              <a:rPr lang="ko-KR" altLang="en-US"/>
               <a:t>셋째 수준</a:t>
             </a:r>
           </a:p>
           <a:p>
             <a:pPr lvl="3"/>
             <a:r>
-              <a:rPr lang="ko-KR" altLang="en-US" smtClean="0"/>
+              <a:rPr lang="ko-KR" altLang="en-US"/>
               <a:t>넷째 수준</a:t>
             </a:r>
           </a:p>
           <a:p>
             <a:pPr lvl="4"/>
             <a:r>
-              <a:rPr lang="ko-KR" altLang="en-US" smtClean="0"/>
+              <a:rPr lang="ko-KR" altLang="en-US"/>
               <a:t>다섯째 수준</a:t>
             </a:r>
-            <a:endParaRPr lang="ko-KR" altLang="en-US"/>
           </a:p>
         </p:txBody>
       </p:sp>
@@ -2076,7 +2058,7 @@
           <a:p>
             <a:pPr lvl="0"/>
             <a:r>
-              <a:rPr lang="ko-KR" altLang="en-US" smtClean="0"/>
+              <a:rPr lang="ko-KR" altLang="en-US"/>
               <a:t>마스터 텍스트 스타일 편집</a:t>
             </a:r>
           </a:p>
@@ -2099,7 +2081,7 @@
           <a:p>
             <a:fld id="{4A0917F6-6E80-4090-A73F-DA5E08C47F3A}" type="datetimeFigureOut">
               <a:rPr lang="ko-KR" altLang="en-US" smtClean="0"/>
-              <a:t>2021-07-01</a:t>
+              <a:t>2021-07-25</a:t>
             </a:fld>
             <a:endParaRPr lang="ko-KR" altLang="en-US"/>
           </a:p>
@@ -2202,10 +2184,9 @@
           </a:lstStyle>
           <a:p>
             <a:r>
-              <a:rPr lang="ko-KR" altLang="en-US" smtClean="0"/>
+              <a:rPr lang="ko-KR" altLang="en-US"/>
               <a:t>마스터 제목 스타일 편집</a:t>
             </a:r>
-            <a:endParaRPr lang="ko-KR" altLang="en-US"/>
           </a:p>
         </p:txBody>
       </p:sp>
@@ -2329,7 +2310,7 @@
           <a:p>
             <a:pPr lvl="0"/>
             <a:r>
-              <a:rPr lang="ko-KR" altLang="en-US" smtClean="0"/>
+              <a:rPr lang="ko-KR" altLang="en-US"/>
               <a:t>마스터 텍스트 스타일 편집</a:t>
             </a:r>
           </a:p>
@@ -2352,7 +2333,7 @@
           <a:p>
             <a:fld id="{4A0917F6-6E80-4090-A73F-DA5E08C47F3A}" type="datetimeFigureOut">
               <a:rPr lang="ko-KR" altLang="en-US" smtClean="0"/>
-              <a:t>2021-07-01</a:t>
+              <a:t>2021-07-25</a:t>
             </a:fld>
             <a:endParaRPr lang="ko-KR" altLang="en-US"/>
           </a:p>
@@ -2461,10 +2442,9 @@
           <a:lstStyle/>
           <a:p>
             <a:r>
-              <a:rPr lang="ko-KR" altLang="en-US" smtClean="0"/>
+              <a:rPr lang="ko-KR" altLang="en-US"/>
               <a:t>마스터 제목 스타일 편집</a:t>
             </a:r>
-            <a:endParaRPr lang="ko-KR" altLang="en-US"/>
           </a:p>
         </p:txBody>
       </p:sp>
@@ -2495,38 +2475,37 @@
           <a:p>
             <a:pPr lvl="0"/>
             <a:r>
-              <a:rPr lang="ko-KR" altLang="en-US" smtClean="0"/>
+              <a:rPr lang="ko-KR" altLang="en-US"/>
               <a:t>마스터 텍스트 스타일 편집</a:t>
             </a:r>
           </a:p>
           <a:p>
             <a:pPr lvl="1"/>
             <a:r>
-              <a:rPr lang="ko-KR" altLang="en-US" smtClean="0"/>
+              <a:rPr lang="ko-KR" altLang="en-US"/>
               <a:t>둘째 수준</a:t>
             </a:r>
           </a:p>
           <a:p>
             <a:pPr lvl="2"/>
             <a:r>
-              <a:rPr lang="ko-KR" altLang="en-US" smtClean="0"/>
+              <a:rPr lang="ko-KR" altLang="en-US"/>
               <a:t>셋째 수준</a:t>
             </a:r>
           </a:p>
           <a:p>
             <a:pPr lvl="3"/>
             <a:r>
-              <a:rPr lang="ko-KR" altLang="en-US" smtClean="0"/>
+              <a:rPr lang="ko-KR" altLang="en-US"/>
               <a:t>넷째 수준</a:t>
             </a:r>
           </a:p>
           <a:p>
             <a:pPr lvl="4"/>
             <a:r>
-              <a:rPr lang="ko-KR" altLang="en-US" smtClean="0"/>
+              <a:rPr lang="ko-KR" altLang="en-US"/>
               <a:t>다섯째 수준</a:t>
             </a:r>
-            <a:endParaRPr lang="ko-KR" altLang="en-US"/>
           </a:p>
         </p:txBody>
       </p:sp>
@@ -2565,7 +2544,7 @@
           <a:p>
             <a:fld id="{4A0917F6-6E80-4090-A73F-DA5E08C47F3A}" type="datetimeFigureOut">
               <a:rPr lang="ko-KR" altLang="en-US" smtClean="0"/>
-              <a:t>2021-07-01</a:t>
+              <a:t>2021-07-25</a:t>
             </a:fld>
             <a:endParaRPr lang="ko-KR" altLang="en-US"/>
           </a:p>
@@ -2993,17 +2972,17 @@
           <a:lstStyle/>
           <a:p>
             <a:r>
-              <a:rPr lang="ko-KR" altLang="en-US" dirty="0" smtClean="0"/>
+              <a:rPr lang="ko-KR" altLang="en-US" dirty="0"/>
               <a:t>관리자 메뉴</a:t>
             </a:r>
-            <a:endParaRPr lang="en-US" altLang="ko-KR" dirty="0" smtClean="0"/>
-          </a:p>
-          <a:p>
-            <a:r>
-              <a:rPr lang="ko-KR" altLang="en-US" dirty="0" smtClean="0"/>
+            <a:endParaRPr lang="en-US" altLang="ko-KR" dirty="0"/>
+          </a:p>
+          <a:p>
+            <a:r>
+              <a:rPr lang="ko-KR" altLang="en-US" dirty="0"/>
               <a:t>로그인</a:t>
             </a:r>
-            <a:endParaRPr lang="en-US" altLang="ko-KR" dirty="0" smtClean="0"/>
+            <a:endParaRPr lang="en-US" altLang="ko-KR" dirty="0"/>
           </a:p>
         </p:txBody>
       </p:sp>
@@ -3030,10 +3009,10 @@
           <a:lstStyle/>
           <a:p>
             <a:r>
-              <a:rPr lang="ko-KR" altLang="en-US" dirty="0" smtClean="0"/>
+              <a:rPr lang="ko-KR" altLang="en-US" dirty="0"/>
               <a:t>메인 메뉴</a:t>
             </a:r>
-            <a:endParaRPr lang="en-US" altLang="ko-KR" dirty="0" smtClean="0"/>
+            <a:endParaRPr lang="en-US" altLang="ko-KR" dirty="0"/>
           </a:p>
         </p:txBody>
       </p:sp>
@@ -3096,29 +3075,28 @@
           <a:lstStyle/>
           <a:p>
             <a:r>
-              <a:rPr lang="ko-KR" altLang="en-US" dirty="0" smtClean="0"/>
+              <a:rPr lang="ko-KR" altLang="en-US" dirty="0"/>
               <a:t>관리자 추가</a:t>
             </a:r>
             <a:r>
-              <a:rPr lang="en-US" altLang="ko-KR" dirty="0" smtClean="0"/>
+              <a:rPr lang="en-US" altLang="ko-KR" dirty="0"/>
               <a:t>(</a:t>
             </a:r>
             <a:r>
-              <a:rPr lang="ko-KR" altLang="en-US" dirty="0" smtClean="0"/>
+              <a:rPr lang="ko-KR" altLang="en-US" dirty="0"/>
               <a:t>가입</a:t>
             </a:r>
             <a:r>
-              <a:rPr lang="en-US" altLang="ko-KR" dirty="0" smtClean="0"/>
+              <a:rPr lang="en-US" altLang="ko-KR" dirty="0"/>
               <a:t>)</a:t>
             </a:r>
+          </a:p>
+          <a:p>
+            <a:r>
+              <a:rPr lang="ko-KR" altLang="en-US" dirty="0"/>
+              <a:t>비밀번호 변경</a:t>
+            </a:r>
             <a:endParaRPr lang="en-US" altLang="ko-KR" dirty="0"/>
-          </a:p>
-          <a:p>
-            <a:r>
-              <a:rPr lang="ko-KR" altLang="en-US" dirty="0" smtClean="0"/>
-              <a:t>비밀번호 변경</a:t>
-            </a:r>
-            <a:endParaRPr lang="en-US" altLang="ko-KR" dirty="0" smtClean="0"/>
           </a:p>
         </p:txBody>
       </p:sp>
@@ -3145,21 +3123,21 @@
           <a:lstStyle/>
           <a:p>
             <a:r>
-              <a:rPr lang="ko-KR" altLang="en-US" dirty="0" smtClean="0"/>
+              <a:rPr lang="ko-KR" altLang="en-US" dirty="0"/>
               <a:t>트레이너 관리</a:t>
             </a:r>
-            <a:endParaRPr lang="en-US" altLang="ko-KR" dirty="0" smtClean="0"/>
-          </a:p>
-          <a:p>
-            <a:r>
-              <a:rPr lang="en-US" altLang="ko-KR" dirty="0" smtClean="0"/>
+            <a:endParaRPr lang="en-US" altLang="ko-KR" dirty="0"/>
+          </a:p>
+          <a:p>
+            <a:r>
+              <a:rPr lang="en-US" altLang="ko-KR" dirty="0"/>
               <a:t>1.</a:t>
             </a:r>
             <a:r>
-              <a:rPr lang="ko-KR" altLang="en-US" dirty="0" smtClean="0"/>
+              <a:rPr lang="ko-KR" altLang="en-US" dirty="0"/>
               <a:t>추가</a:t>
             </a:r>
-            <a:endParaRPr lang="en-US" altLang="ko-KR" dirty="0" smtClean="0">
+            <a:endParaRPr lang="en-US" altLang="ko-KR" dirty="0">
               <a:solidFill>
                 <a:srgbClr val="FF0000"/>
               </a:solidFill>
@@ -3167,25 +3145,24 @@
           </a:p>
           <a:p>
             <a:r>
-              <a:rPr lang="en-US" altLang="ko-KR" dirty="0" smtClean="0"/>
+              <a:rPr lang="en-US" altLang="ko-KR" dirty="0"/>
               <a:t>2.</a:t>
             </a:r>
             <a:r>
-              <a:rPr lang="ko-KR" altLang="en-US" dirty="0" smtClean="0"/>
+              <a:rPr lang="ko-KR" altLang="en-US" dirty="0"/>
               <a:t>수정</a:t>
             </a:r>
-            <a:endParaRPr lang="en-US" altLang="ko-KR" dirty="0" smtClean="0"/>
-          </a:p>
-          <a:p>
-            <a:r>
-              <a:rPr lang="en-US" altLang="ko-KR" dirty="0" smtClean="0"/>
+            <a:endParaRPr lang="en-US" altLang="ko-KR" dirty="0"/>
+          </a:p>
+          <a:p>
+            <a:r>
+              <a:rPr lang="en-US" altLang="ko-KR" dirty="0"/>
               <a:t>3.</a:t>
             </a:r>
             <a:r>
-              <a:rPr lang="ko-KR" altLang="en-US" dirty="0" smtClean="0"/>
+              <a:rPr lang="ko-KR" altLang="en-US" dirty="0"/>
               <a:t>삭제</a:t>
             </a:r>
-            <a:endParaRPr lang="ko-KR" altLang="en-US" dirty="0"/>
           </a:p>
         </p:txBody>
       </p:sp>
@@ -3212,10 +3189,10 @@
           <a:lstStyle/>
           <a:p>
             <a:r>
-              <a:rPr lang="ko-KR" altLang="en-US" dirty="0" smtClean="0"/>
+              <a:rPr lang="ko-KR" altLang="en-US" dirty="0"/>
               <a:t>관리자 메뉴</a:t>
             </a:r>
-            <a:endParaRPr lang="en-US" altLang="ko-KR" dirty="0" smtClean="0"/>
+            <a:endParaRPr lang="en-US" altLang="ko-KR" dirty="0"/>
           </a:p>
         </p:txBody>
       </p:sp>
@@ -3278,29 +3255,29 @@
           <a:lstStyle/>
           <a:p>
             <a:r>
-              <a:rPr lang="en-US" altLang="ko-KR" dirty="0" smtClean="0"/>
+              <a:rPr lang="en-US" altLang="ko-KR" dirty="0"/>
               <a:t>1. </a:t>
             </a:r>
             <a:r>
-              <a:rPr lang="ko-KR" altLang="en-US" dirty="0" smtClean="0"/>
+              <a:rPr lang="ko-KR" altLang="en-US" dirty="0"/>
               <a:t>회원권 가격 설정</a:t>
             </a:r>
-            <a:endParaRPr lang="en-US" altLang="ko-KR" dirty="0" smtClean="0"/>
-          </a:p>
-          <a:p>
-            <a:r>
-              <a:rPr lang="en-US" altLang="ko-KR" dirty="0" smtClean="0"/>
+            <a:endParaRPr lang="en-US" altLang="ko-KR" dirty="0"/>
+          </a:p>
+          <a:p>
+            <a:r>
+              <a:rPr lang="en-US" altLang="ko-KR" dirty="0"/>
               <a:t>2. </a:t>
             </a:r>
             <a:r>
-              <a:rPr lang="ko-KR" altLang="en-US" dirty="0" err="1" smtClean="0"/>
+              <a:rPr lang="ko-KR" altLang="en-US" dirty="0" err="1"/>
               <a:t>라커룸</a:t>
             </a:r>
             <a:r>
-              <a:rPr lang="ko-KR" altLang="en-US" dirty="0" smtClean="0"/>
+              <a:rPr lang="ko-KR" altLang="en-US" dirty="0"/>
               <a:t> 대여료 설정</a:t>
             </a:r>
-            <a:endParaRPr lang="en-US" altLang="ko-KR" dirty="0" smtClean="0"/>
+            <a:endParaRPr lang="en-US" altLang="ko-KR" dirty="0"/>
           </a:p>
         </p:txBody>
       </p:sp>
@@ -3327,10 +3304,9 @@
           <a:lstStyle/>
           <a:p>
             <a:r>
-              <a:rPr lang="ko-KR" altLang="en-US" dirty="0" smtClean="0"/>
+              <a:rPr lang="ko-KR" altLang="en-US" dirty="0"/>
               <a:t>고객에게 문자 발송</a:t>
             </a:r>
-            <a:endParaRPr lang="ko-KR" altLang="en-US" dirty="0"/>
           </a:p>
         </p:txBody>
       </p:sp>
@@ -3344,13 +3320,6 @@
   <p:clrMapOvr>
     <a:masterClrMapping/>
   </p:clrMapOvr>
-  <p:timing>
-    <p:tnLst>
-      <p:par>
-        <p:cTn id="1" dur="indefinite" restart="never" nodeType="tmRoot"/>
-      </p:par>
-    </p:tnLst>
-  </p:timing>
 </p:sld>
 </file>
 
@@ -3371,46 +3340,52 @@
           <a:chExt cx="0" cy="0"/>
         </a:xfrm>
       </p:grpSpPr>
-      <p:pic>
-        <p:nvPicPr>
-          <p:cNvPr id="5" name="그림 4"/>
-          <p:cNvPicPr>
-            <a:picLocks noChangeAspect="1"/>
-          </p:cNvPicPr>
-          <p:nvPr/>
-        </p:nvPicPr>
-        <p:blipFill>
-          <a:blip r:embed="rId2">
-            <a:lum bright="70000" contrast="-70000"/>
+      <p:sp>
+        <p:nvSpPr>
+          <p:cNvPr id="2" name="직사각형 1">
             <a:extLst>
-              <a:ext uri="{BEBA8EAE-BF5A-486C-A8C5-ECC9F3942E4B}">
-                <a14:imgProps xmlns:a14="http://schemas.microsoft.com/office/drawing/2010/main">
-                  <a14:imgLayer r:embed="rId3">
-                    <a14:imgEffect>
-                      <a14:artisticPhotocopy/>
-                    </a14:imgEffect>
-                  </a14:imgLayer>
-                </a14:imgProps>
-              </a:ext>
-              <a:ext uri="{28A0092B-C50C-407E-A947-70E740481C1C}">
-                <a14:useLocalDpi xmlns:a14="http://schemas.microsoft.com/office/drawing/2010/main" val="0"/>
+              <a:ext uri="{FF2B5EF4-FFF2-40B4-BE49-F238E27FC236}">
+                <a16:creationId xmlns:a16="http://schemas.microsoft.com/office/drawing/2014/main" id="{C8C47D0E-8F35-421E-A4CE-4EB3C5F3AE8E}"/>
               </a:ext>
             </a:extLst>
-          </a:blip>
-          <a:stretch>
-            <a:fillRect/>
-          </a:stretch>
-        </p:blipFill>
+          </p:cNvPr>
+          <p:cNvSpPr/>
+          <p:nvPr/>
+        </p:nvSpPr>
         <p:spPr>
           <a:xfrm>
-            <a:off x="3308341" y="641341"/>
-            <a:ext cx="5575318" cy="5575318"/>
+            <a:off x="836023" y="862149"/>
+            <a:ext cx="2717074" cy="1123405"/>
           </a:xfrm>
           <a:prstGeom prst="rect">
             <a:avLst/>
           </a:prstGeom>
         </p:spPr>
-      </p:pic>
+        <p:style>
+          <a:lnRef idx="2">
+            <a:schemeClr val="accent1">
+              <a:shade val="50000"/>
+            </a:schemeClr>
+          </a:lnRef>
+          <a:fillRef idx="1">
+            <a:schemeClr val="accent1"/>
+          </a:fillRef>
+          <a:effectRef idx="0">
+            <a:schemeClr val="accent1"/>
+          </a:effectRef>
+          <a:fontRef idx="minor">
+            <a:schemeClr val="lt1"/>
+          </a:fontRef>
+        </p:style>
+        <p:txBody>
+          <a:bodyPr rtlCol="0" anchor="ctr"/>
+          <a:lstStyle/>
+          <a:p>
+            <a:pPr algn="ctr"/>
+            <a:endParaRPr lang="ko-KR" altLang="en-US"/>
+          </a:p>
+        </p:txBody>
+      </p:sp>
     </p:spTree>
     <p:extLst>
       <p:ext uri="{BB962C8B-B14F-4D97-AF65-F5344CB8AC3E}">
